--- a/Slides/Module 10.2 Case Studies.pptx
+++ b/Slides/Module 10.2 Case Studies.pptx
@@ -7274,7 +7274,7 @@
                 <a:tabLst/>
                 <a:defRPr/>
               </a:pPr>
-              <a:t>1/31/2023</a:t>
+              <a:t>2/1/2023</a:t>
             </a:fld>
             <a:endParaRPr kumimoji="0" lang="en-US" sz="1200" b="0" i="0" u="none" strike="noStrike" kern="1200" cap="none" spc="0" normalizeH="0" baseline="0" noProof="0">
               <a:ln>
@@ -7758,7 +7758,7 @@
                 <a:tabLst/>
                 <a:defRPr/>
               </a:pPr>
-              <a:t>1/31/2023</a:t>
+              <a:t>2/1/2023</a:t>
             </a:fld>
             <a:endParaRPr kumimoji="0" lang="en-US" sz="1200" b="0" i="0" u="none" strike="noStrike" kern="1200" cap="none" spc="0" normalizeH="0" baseline="0" noProof="0">
               <a:ln>
@@ -8116,7 +8116,7 @@
                 <a:tabLst/>
                 <a:defRPr/>
               </a:pPr>
-              <a:t>1/31/2023</a:t>
+              <a:t>2/1/2023</a:t>
             </a:fld>
             <a:endParaRPr kumimoji="0" lang="en-US" sz="1200" b="0" i="0" u="none" strike="noStrike" kern="1200" cap="none" spc="0" normalizeH="0" baseline="0" noProof="0">
               <a:ln>
@@ -8484,7 +8484,7 @@
                 <a:tabLst/>
                 <a:defRPr/>
               </a:pPr>
-              <a:t>1/31/2023</a:t>
+              <a:t>2/1/2023</a:t>
             </a:fld>
             <a:endParaRPr kumimoji="0" lang="en-US" sz="1200" b="0" i="0" u="none" strike="noStrike" kern="1200" cap="none" spc="0" normalizeH="0" baseline="0" noProof="0">
               <a:ln>
@@ -9284,7 +9284,7 @@
                 <a:tabLst/>
                 <a:defRPr/>
               </a:pPr>
-              <a:t>1/31/2023</a:t>
+              <a:t>2/1/2023</a:t>
             </a:fld>
             <a:endParaRPr kumimoji="0" lang="en-US" sz="1200" b="0" i="0" u="none" strike="noStrike" kern="1200" cap="none" spc="0" normalizeH="0" baseline="0" noProof="0">
               <a:ln>
@@ -9694,7 +9694,7 @@
                 <a:tabLst/>
                 <a:defRPr/>
               </a:pPr>
-              <a:t>1/31/2023</a:t>
+              <a:t>2/1/2023</a:t>
             </a:fld>
             <a:endParaRPr kumimoji="0" lang="en-US" sz="1200" b="0" i="0" u="none" strike="noStrike" kern="1200" cap="none" spc="0" normalizeH="0" baseline="0" noProof="0">
               <a:ln>
@@ -10042,7 +10042,7 @@
                 <a:tabLst/>
                 <a:defRPr/>
               </a:pPr>
-              <a:t>1/31/2023</a:t>
+              <a:t>2/1/2023</a:t>
             </a:fld>
             <a:endParaRPr kumimoji="0" lang="en-US" sz="1200" b="0" i="0" u="none" strike="noStrike" kern="1200" cap="none" spc="0" normalizeH="0" baseline="0" noProof="0">
               <a:ln>
@@ -10515,7 +10515,7 @@
                 <a:tabLst/>
                 <a:defRPr/>
               </a:pPr>
-              <a:t>1/31/2023</a:t>
+              <a:t>2/1/2023</a:t>
             </a:fld>
             <a:endParaRPr kumimoji="0" lang="en-US" sz="1200" b="0" i="0" u="none" strike="noStrike" kern="1200" cap="none" spc="0" normalizeH="0" baseline="0" noProof="0">
               <a:ln>
@@ -10976,7 +10976,7 @@
                 <a:tabLst/>
                 <a:defRPr/>
               </a:pPr>
-              <a:t>1/31/2023</a:t>
+              <a:t>2/1/2023</a:t>
             </a:fld>
             <a:endParaRPr kumimoji="0" lang="en-US" sz="1200" b="0" i="0" u="none" strike="noStrike" kern="1200" cap="none" spc="0" normalizeH="0" baseline="0" noProof="0">
               <a:ln>
@@ -11584,7 +11584,7 @@
                 <a:tabLst/>
                 <a:defRPr/>
               </a:pPr>
-              <a:t>1/31/2023</a:t>
+              <a:t>2/1/2023</a:t>
             </a:fld>
             <a:endParaRPr kumimoji="0" lang="en-US" sz="1200" b="0" i="0" u="none" strike="noStrike" kern="1200" cap="none" spc="0" normalizeH="0" baseline="0" noProof="0">
               <a:ln>
@@ -11857,7 +11857,7 @@
                 <a:tabLst/>
                 <a:defRPr/>
               </a:pPr>
-              <a:t>1/31/2023</a:t>
+              <a:t>2/1/2023</a:t>
             </a:fld>
             <a:endParaRPr kumimoji="0" lang="en-US" sz="1200" b="0" i="0" u="none" strike="noStrike" kern="1200" cap="none" spc="0" normalizeH="0" baseline="0" noProof="0">
               <a:ln>
@@ -12328,7 +12328,7 @@
                 <a:tabLst/>
                 <a:defRPr/>
               </a:pPr>
-              <a:t>1/31/2023</a:t>
+              <a:t>2/1/2023</a:t>
             </a:fld>
             <a:endParaRPr kumimoji="0" lang="en-US" sz="1200" b="0" i="0" u="none" strike="noStrike" kern="1200" cap="none" spc="0" normalizeH="0" baseline="0" noProof="0">
               <a:ln>
@@ -12729,7 +12729,7 @@
                 <a:tabLst/>
                 <a:defRPr/>
               </a:pPr>
-              <a:t>1/31/2023</a:t>
+              <a:t>2/1/2023</a:t>
             </a:fld>
             <a:endParaRPr kumimoji="0" lang="en-US" sz="1200" b="0" i="0" u="none" strike="noStrike" kern="1200" cap="none" spc="0" normalizeH="0" baseline="0" noProof="0">
               <a:ln>
@@ -13337,16 +13337,8 @@
               </a:lnSpc>
             </a:pPr>
             <a:r>
-              <a:rPr lang="en-US" sz="2400" dirty="0"/>
-              <a:t>Jonathan Bell, Adeel </a:t>
-            </a:r>
-            <a:r>
-              <a:rPr lang="en-US" sz="2400" dirty="0" err="1"/>
-              <a:t>Bhutta</a:t>
-            </a:r>
-            <a:r>
-              <a:rPr lang="en-US" sz="2400" dirty="0"/>
-              <a:t>, Mitch Wand</a:t>
+              <a:rPr lang="en-US" sz="2400"/>
+              <a:t>Adeel Bhutta, Jan Vitek and Mitch Wand</a:t>
             </a:r>
           </a:p>
           <a:p>
@@ -13356,8 +13348,12 @@
               </a:lnSpc>
             </a:pPr>
             <a:r>
+              <a:rPr lang="en-US" sz="2400"/>
+              <a:t>Khoury </a:t>
+            </a:r>
+            <a:r>
               <a:rPr lang="en-US" sz="2400" dirty="0"/>
-              <a:t>Khoury College of Computer Sciences</a:t>
+              <a:t>College of Computer Sciences</a:t>
             </a:r>
           </a:p>
           <a:p>
@@ -13634,7 +13630,7 @@
           </a:prstGeom>
           <a:extLst>
             <a:ext uri="{C572A759-6A51-4108-AA02-DFA0A04FC94B}">
-              <ma14:wrappingTextBoxFlag xmlns:ma14="http://schemas.microsoft.com/office/mac/drawingml/2011/main" xmlns:a14="http://schemas.microsoft.com/office/drawing/2010/main" xmlns:m="http://schemas.openxmlformats.org/officeDocument/2006/math" xmlns="" val="1"/>
+              <ma14:wrappingTextBoxFlag xmlns="" xmlns:m="http://schemas.openxmlformats.org/officeDocument/2006/math" xmlns:a14="http://schemas.microsoft.com/office/drawing/2010/main" xmlns:ma14="http://schemas.microsoft.com/office/mac/drawingml/2011/main" val="1"/>
             </a:ext>
           </a:extLst>
         </p:spPr>
@@ -13669,7 +13665,7 @@
           </a:ln>
           <a:extLst>
             <a:ext uri="{C572A759-6A51-4108-AA02-DFA0A04FC94B}">
-              <ma14:wrappingTextBoxFlag xmlns:ma14="http://schemas.microsoft.com/office/mac/drawingml/2011/main" xmlns:a14="http://schemas.microsoft.com/office/drawing/2010/main" xmlns:m="http://schemas.openxmlformats.org/officeDocument/2006/math" xmlns="" val="1"/>
+              <ma14:wrappingTextBoxFlag xmlns="" xmlns:m="http://schemas.openxmlformats.org/officeDocument/2006/math" xmlns:a14="http://schemas.microsoft.com/office/drawing/2010/main" xmlns:ma14="http://schemas.microsoft.com/office/mac/drawingml/2011/main" val="1"/>
             </a:ext>
           </a:extLst>
         </p:spPr>
@@ -13965,7 +13961,7 @@
           </a:prstGeom>
           <a:extLst>
             <a:ext uri="{C572A759-6A51-4108-AA02-DFA0A04FC94B}">
-              <ma14:wrappingTextBoxFlag xmlns:ma14="http://schemas.microsoft.com/office/mac/drawingml/2011/main" xmlns:a14="http://schemas.microsoft.com/office/drawing/2010/main" xmlns:m="http://schemas.openxmlformats.org/officeDocument/2006/math" xmlns="" val="1"/>
+              <ma14:wrappingTextBoxFlag xmlns="" xmlns:m="http://schemas.openxmlformats.org/officeDocument/2006/math" xmlns:a14="http://schemas.microsoft.com/office/drawing/2010/main" xmlns:ma14="http://schemas.microsoft.com/office/mac/drawingml/2011/main" val="1"/>
             </a:ext>
           </a:extLst>
         </p:spPr>
@@ -14198,7 +14194,7 @@
           </a:prstGeom>
           <a:extLst>
             <a:ext uri="{C572A759-6A51-4108-AA02-DFA0A04FC94B}">
-              <ma14:wrappingTextBoxFlag xmlns:ma14="http://schemas.microsoft.com/office/mac/drawingml/2011/main" xmlns:a14="http://schemas.microsoft.com/office/drawing/2010/main" xmlns:m="http://schemas.openxmlformats.org/officeDocument/2006/math" xmlns="" val="1"/>
+              <ma14:wrappingTextBoxFlag xmlns="" xmlns:m="http://schemas.openxmlformats.org/officeDocument/2006/math" xmlns:a14="http://schemas.microsoft.com/office/drawing/2010/main" xmlns:ma14="http://schemas.microsoft.com/office/mac/drawingml/2011/main" val="1"/>
             </a:ext>
           </a:extLst>
         </p:spPr>
@@ -14332,7 +14328,7 @@
             <a:effectLst/>
             <a:extLst>
               <a:ext uri="{C572A759-6A51-4108-AA02-DFA0A04FC94B}">
-                <ma14:wrappingTextBoxFlag xmlns:ma14="http://schemas.microsoft.com/office/mac/drawingml/2011/main" xmlns:a14="http://schemas.microsoft.com/office/drawing/2010/main" xmlns:m="http://schemas.openxmlformats.org/officeDocument/2006/math" xmlns="" val="1"/>
+                <ma14:wrappingTextBoxFlag xmlns="" xmlns:m="http://schemas.openxmlformats.org/officeDocument/2006/math" xmlns:a14="http://schemas.microsoft.com/office/drawing/2010/main" xmlns:ma14="http://schemas.microsoft.com/office/mac/drawingml/2011/main" val="1"/>
               </a:ext>
             </a:extLst>
           </p:spPr>
@@ -14439,7 +14435,7 @@
             <a:effectLst/>
             <a:extLst>
               <a:ext uri="{C572A759-6A51-4108-AA02-DFA0A04FC94B}">
-                <ma14:wrappingTextBoxFlag xmlns:ma14="http://schemas.microsoft.com/office/mac/drawingml/2011/main" xmlns:a14="http://schemas.microsoft.com/office/drawing/2010/main" xmlns:m="http://schemas.openxmlformats.org/officeDocument/2006/math" xmlns="" val="1"/>
+                <ma14:wrappingTextBoxFlag xmlns="" xmlns:m="http://schemas.openxmlformats.org/officeDocument/2006/math" xmlns:a14="http://schemas.microsoft.com/office/drawing/2010/main" xmlns:ma14="http://schemas.microsoft.com/office/mac/drawingml/2011/main" val="1"/>
               </a:ext>
             </a:extLst>
           </p:spPr>
@@ -14546,7 +14542,7 @@
             <a:effectLst/>
             <a:extLst>
               <a:ext uri="{C572A759-6A51-4108-AA02-DFA0A04FC94B}">
-                <ma14:wrappingTextBoxFlag xmlns:ma14="http://schemas.microsoft.com/office/mac/drawingml/2011/main" xmlns:a14="http://schemas.microsoft.com/office/drawing/2010/main" xmlns:m="http://schemas.openxmlformats.org/officeDocument/2006/math" xmlns="" val="1"/>
+                <ma14:wrappingTextBoxFlag xmlns="" xmlns:m="http://schemas.openxmlformats.org/officeDocument/2006/math" xmlns:a14="http://schemas.microsoft.com/office/drawing/2010/main" xmlns:ma14="http://schemas.microsoft.com/office/mac/drawingml/2011/main" val="1"/>
               </a:ext>
             </a:extLst>
           </p:spPr>
@@ -14653,7 +14649,7 @@
             <a:effectLst/>
             <a:extLst>
               <a:ext uri="{C572A759-6A51-4108-AA02-DFA0A04FC94B}">
-                <ma14:wrappingTextBoxFlag xmlns:ma14="http://schemas.microsoft.com/office/mac/drawingml/2011/main" xmlns:a14="http://schemas.microsoft.com/office/drawing/2010/main" xmlns:m="http://schemas.openxmlformats.org/officeDocument/2006/math" xmlns="" val="1"/>
+                <ma14:wrappingTextBoxFlag xmlns="" xmlns:m="http://schemas.openxmlformats.org/officeDocument/2006/math" xmlns:a14="http://schemas.microsoft.com/office/drawing/2010/main" xmlns:ma14="http://schemas.microsoft.com/office/mac/drawingml/2011/main" val="1"/>
               </a:ext>
             </a:extLst>
           </p:spPr>
@@ -14760,7 +14756,7 @@
             <a:effectLst/>
             <a:extLst>
               <a:ext uri="{C572A759-6A51-4108-AA02-DFA0A04FC94B}">
-                <ma14:wrappingTextBoxFlag xmlns:ma14="http://schemas.microsoft.com/office/mac/drawingml/2011/main" xmlns:a14="http://schemas.microsoft.com/office/drawing/2010/main" xmlns:m="http://schemas.openxmlformats.org/officeDocument/2006/math" xmlns="" val="1"/>
+                <ma14:wrappingTextBoxFlag xmlns="" xmlns:m="http://schemas.openxmlformats.org/officeDocument/2006/math" xmlns:a14="http://schemas.microsoft.com/office/drawing/2010/main" xmlns:ma14="http://schemas.microsoft.com/office/mac/drawingml/2011/main" val="1"/>
               </a:ext>
             </a:extLst>
           </p:spPr>
@@ -14867,7 +14863,7 @@
             <a:effectLst/>
             <a:extLst>
               <a:ext uri="{C572A759-6A51-4108-AA02-DFA0A04FC94B}">
-                <ma14:wrappingTextBoxFlag xmlns:ma14="http://schemas.microsoft.com/office/mac/drawingml/2011/main" xmlns:a14="http://schemas.microsoft.com/office/drawing/2010/main" xmlns:m="http://schemas.openxmlformats.org/officeDocument/2006/math" xmlns="" val="1"/>
+                <ma14:wrappingTextBoxFlag xmlns="" xmlns:m="http://schemas.openxmlformats.org/officeDocument/2006/math" xmlns:a14="http://schemas.microsoft.com/office/drawing/2010/main" xmlns:ma14="http://schemas.microsoft.com/office/mac/drawingml/2011/main" val="1"/>
               </a:ext>
             </a:extLst>
           </p:spPr>
@@ -14974,7 +14970,7 @@
             <a:effectLst/>
             <a:extLst>
               <a:ext uri="{C572A759-6A51-4108-AA02-DFA0A04FC94B}">
-                <ma14:wrappingTextBoxFlag xmlns:ma14="http://schemas.microsoft.com/office/mac/drawingml/2011/main" xmlns:a14="http://schemas.microsoft.com/office/drawing/2010/main" xmlns:m="http://schemas.openxmlformats.org/officeDocument/2006/math" xmlns="" val="1"/>
+                <ma14:wrappingTextBoxFlag xmlns="" xmlns:m="http://schemas.openxmlformats.org/officeDocument/2006/math" xmlns:a14="http://schemas.microsoft.com/office/drawing/2010/main" xmlns:ma14="http://schemas.microsoft.com/office/mac/drawingml/2011/main" val="1"/>
               </a:ext>
             </a:extLst>
           </p:spPr>
@@ -15081,7 +15077,7 @@
             <a:effectLst/>
             <a:extLst>
               <a:ext uri="{C572A759-6A51-4108-AA02-DFA0A04FC94B}">
-                <ma14:wrappingTextBoxFlag xmlns:ma14="http://schemas.microsoft.com/office/mac/drawingml/2011/main" xmlns:a14="http://schemas.microsoft.com/office/drawing/2010/main" xmlns:m="http://schemas.openxmlformats.org/officeDocument/2006/math" xmlns="" val="1"/>
+                <ma14:wrappingTextBoxFlag xmlns="" xmlns:m="http://schemas.openxmlformats.org/officeDocument/2006/math" xmlns:a14="http://schemas.microsoft.com/office/drawing/2010/main" xmlns:ma14="http://schemas.microsoft.com/office/mac/drawingml/2011/main" val="1"/>
               </a:ext>
             </a:extLst>
           </p:spPr>
@@ -15188,7 +15184,7 @@
             <a:effectLst/>
             <a:extLst>
               <a:ext uri="{C572A759-6A51-4108-AA02-DFA0A04FC94B}">
-                <ma14:wrappingTextBoxFlag xmlns:ma14="http://schemas.microsoft.com/office/mac/drawingml/2011/main" xmlns:a14="http://schemas.microsoft.com/office/drawing/2010/main" xmlns:m="http://schemas.openxmlformats.org/officeDocument/2006/math" xmlns="" val="1"/>
+                <ma14:wrappingTextBoxFlag xmlns="" xmlns:m="http://schemas.openxmlformats.org/officeDocument/2006/math" xmlns:a14="http://schemas.microsoft.com/office/drawing/2010/main" xmlns:ma14="http://schemas.microsoft.com/office/mac/drawingml/2011/main" val="1"/>
               </a:ext>
             </a:extLst>
           </p:spPr>
@@ -15643,7 +15639,7 @@
             <a:effectLst/>
             <a:extLst>
               <a:ext uri="{C572A759-6A51-4108-AA02-DFA0A04FC94B}">
-                <ma14:wrappingTextBoxFlag xmlns:ma14="http://schemas.microsoft.com/office/mac/drawingml/2011/main" xmlns:a14="http://schemas.microsoft.com/office/drawing/2010/main" xmlns:m="http://schemas.openxmlformats.org/officeDocument/2006/math" xmlns="" val="1"/>
+                <ma14:wrappingTextBoxFlag xmlns="" xmlns:m="http://schemas.openxmlformats.org/officeDocument/2006/math" xmlns:a14="http://schemas.microsoft.com/office/drawing/2010/main" xmlns:ma14="http://schemas.microsoft.com/office/mac/drawingml/2011/main" val="1"/>
               </a:ext>
             </a:extLst>
           </p:spPr>
@@ -15750,7 +15746,7 @@
             <a:effectLst/>
             <a:extLst>
               <a:ext uri="{C572A759-6A51-4108-AA02-DFA0A04FC94B}">
-                <ma14:wrappingTextBoxFlag xmlns:ma14="http://schemas.microsoft.com/office/mac/drawingml/2011/main" xmlns:a14="http://schemas.microsoft.com/office/drawing/2010/main" xmlns:m="http://schemas.openxmlformats.org/officeDocument/2006/math" xmlns="" val="1"/>
+                <ma14:wrappingTextBoxFlag xmlns="" xmlns:m="http://schemas.openxmlformats.org/officeDocument/2006/math" xmlns:a14="http://schemas.microsoft.com/office/drawing/2010/main" xmlns:ma14="http://schemas.microsoft.com/office/mac/drawingml/2011/main" val="1"/>
               </a:ext>
             </a:extLst>
           </p:spPr>
@@ -15940,7 +15936,7 @@
           </a:ln>
           <a:extLst>
             <a:ext uri="{C572A759-6A51-4108-AA02-DFA0A04FC94B}">
-              <ma14:wrappingTextBoxFlag xmlns:ma14="http://schemas.microsoft.com/office/mac/drawingml/2011/main" xmlns:a14="http://schemas.microsoft.com/office/drawing/2010/main" xmlns:m="http://schemas.openxmlformats.org/officeDocument/2006/math" xmlns="" val="1"/>
+              <ma14:wrappingTextBoxFlag xmlns="" xmlns:m="http://schemas.openxmlformats.org/officeDocument/2006/math" xmlns:a14="http://schemas.microsoft.com/office/drawing/2010/main" xmlns:ma14="http://schemas.microsoft.com/office/mac/drawingml/2011/main" val="1"/>
             </a:ext>
           </a:extLst>
         </p:spPr>
@@ -16084,7 +16080,7 @@
           </a:ln>
           <a:extLst>
             <a:ext uri="{C572A759-6A51-4108-AA02-DFA0A04FC94B}">
-              <ma14:wrappingTextBoxFlag xmlns:ma14="http://schemas.microsoft.com/office/mac/drawingml/2011/main" xmlns:a14="http://schemas.microsoft.com/office/drawing/2010/main" xmlns:m="http://schemas.openxmlformats.org/officeDocument/2006/math" xmlns="" val="1"/>
+              <ma14:wrappingTextBoxFlag xmlns="" xmlns:m="http://schemas.openxmlformats.org/officeDocument/2006/math" xmlns:a14="http://schemas.microsoft.com/office/drawing/2010/main" xmlns:ma14="http://schemas.microsoft.com/office/mac/drawingml/2011/main" val="1"/>
             </a:ext>
           </a:extLst>
         </p:spPr>
@@ -16228,7 +16224,7 @@
           </a:ln>
           <a:extLst>
             <a:ext uri="{C572A759-6A51-4108-AA02-DFA0A04FC94B}">
-              <ma14:wrappingTextBoxFlag xmlns:ma14="http://schemas.microsoft.com/office/mac/drawingml/2011/main" xmlns:a14="http://schemas.microsoft.com/office/drawing/2010/main" xmlns:m="http://schemas.openxmlformats.org/officeDocument/2006/math" xmlns="" val="1"/>
+              <ma14:wrappingTextBoxFlag xmlns="" xmlns:m="http://schemas.openxmlformats.org/officeDocument/2006/math" xmlns:a14="http://schemas.microsoft.com/office/drawing/2010/main" xmlns:ma14="http://schemas.microsoft.com/office/mac/drawingml/2011/main" val="1"/>
             </a:ext>
           </a:extLst>
         </p:spPr>
@@ -16286,7 +16282,7 @@
           </a:ln>
           <a:extLst>
             <a:ext uri="{C572A759-6A51-4108-AA02-DFA0A04FC94B}">
-              <ma14:wrappingTextBoxFlag xmlns:ma14="http://schemas.microsoft.com/office/mac/drawingml/2011/main" xmlns:a14="http://schemas.microsoft.com/office/drawing/2010/main" xmlns:m="http://schemas.openxmlformats.org/officeDocument/2006/math" xmlns="" val="1"/>
+              <ma14:wrappingTextBoxFlag xmlns="" xmlns:m="http://schemas.openxmlformats.org/officeDocument/2006/math" xmlns:a14="http://schemas.microsoft.com/office/drawing/2010/main" xmlns:ma14="http://schemas.microsoft.com/office/mac/drawingml/2011/main" val="1"/>
             </a:ext>
           </a:extLst>
         </p:spPr>
@@ -16392,7 +16388,7 @@
             <a:effectLst/>
             <a:extLst>
               <a:ext uri="{C572A759-6A51-4108-AA02-DFA0A04FC94B}">
-                <ma14:wrappingTextBoxFlag xmlns:ma14="http://schemas.microsoft.com/office/mac/drawingml/2011/main" xmlns:a14="http://schemas.microsoft.com/office/drawing/2010/main" xmlns:m="http://schemas.openxmlformats.org/officeDocument/2006/math" xmlns="" val="1"/>
+                <ma14:wrappingTextBoxFlag xmlns="" xmlns:m="http://schemas.openxmlformats.org/officeDocument/2006/math" xmlns:a14="http://schemas.microsoft.com/office/drawing/2010/main" xmlns:ma14="http://schemas.microsoft.com/office/mac/drawingml/2011/main" val="1"/>
               </a:ext>
             </a:extLst>
           </p:spPr>
@@ -18546,7 +18542,7 @@
           </a:prstGeom>
           <a:extLst>
             <a:ext uri="{C572A759-6A51-4108-AA02-DFA0A04FC94B}">
-              <ma14:wrappingTextBoxFlag xmlns="" xmlns:m="http://schemas.openxmlformats.org/officeDocument/2006/math" xmlns:a14="http://schemas.microsoft.com/office/drawing/2010/main" xmlns:ma14="http://schemas.microsoft.com/office/mac/drawingml/2011/main" val="1"/>
+              <ma14:wrappingTextBoxFlag xmlns:ma14="http://schemas.microsoft.com/office/mac/drawingml/2011/main" xmlns:a14="http://schemas.microsoft.com/office/drawing/2010/main" xmlns:m="http://schemas.openxmlformats.org/officeDocument/2006/math" xmlns="" val="1"/>
             </a:ext>
           </a:extLst>
         </p:spPr>
@@ -18792,7 +18788,7 @@
           </a:prstGeom>
           <a:extLst>
             <a:ext uri="{C572A759-6A51-4108-AA02-DFA0A04FC94B}">
-              <ma14:wrappingTextBoxFlag xmlns="" xmlns:m="http://schemas.openxmlformats.org/officeDocument/2006/math" xmlns:a14="http://schemas.microsoft.com/office/drawing/2010/main" xmlns:ma14="http://schemas.microsoft.com/office/mac/drawingml/2011/main" val="1"/>
+              <ma14:wrappingTextBoxFlag xmlns:ma14="http://schemas.microsoft.com/office/mac/drawingml/2011/main" xmlns:a14="http://schemas.microsoft.com/office/drawing/2010/main" xmlns:m="http://schemas.openxmlformats.org/officeDocument/2006/math" xmlns="" val="1"/>
             </a:ext>
           </a:extLst>
         </p:spPr>
@@ -18985,7 +18981,7 @@
           </a:ln>
           <a:extLst>
             <a:ext uri="{C572A759-6A51-4108-AA02-DFA0A04FC94B}">
-              <ma14:wrappingTextBoxFlag xmlns="" xmlns:m="http://schemas.openxmlformats.org/officeDocument/2006/math" xmlns:a14="http://schemas.microsoft.com/office/drawing/2010/main" xmlns:ma14="http://schemas.microsoft.com/office/mac/drawingml/2011/main" val="1"/>
+              <ma14:wrappingTextBoxFlag xmlns:ma14="http://schemas.microsoft.com/office/mac/drawingml/2011/main" xmlns:a14="http://schemas.microsoft.com/office/drawing/2010/main" xmlns:m="http://schemas.openxmlformats.org/officeDocument/2006/math" xmlns="" val="1"/>
             </a:ext>
           </a:extLst>
         </p:spPr>
@@ -19030,7 +19026,7 @@
           </a:ln>
           <a:extLst>
             <a:ext uri="{C572A759-6A51-4108-AA02-DFA0A04FC94B}">
-              <ma14:wrappingTextBoxFlag xmlns="" xmlns:m="http://schemas.openxmlformats.org/officeDocument/2006/math" xmlns:a14="http://schemas.microsoft.com/office/drawing/2010/main" xmlns:ma14="http://schemas.microsoft.com/office/mac/drawingml/2011/main" val="1"/>
+              <ma14:wrappingTextBoxFlag xmlns:ma14="http://schemas.microsoft.com/office/mac/drawingml/2011/main" xmlns:a14="http://schemas.microsoft.com/office/drawing/2010/main" xmlns:m="http://schemas.openxmlformats.org/officeDocument/2006/math" xmlns="" val="1"/>
             </a:ext>
           </a:extLst>
         </p:spPr>
@@ -19077,7 +19073,7 @@
           </a:ln>
           <a:extLst>
             <a:ext uri="{C572A759-6A51-4108-AA02-DFA0A04FC94B}">
-              <ma14:wrappingTextBoxFlag xmlns="" xmlns:m="http://schemas.openxmlformats.org/officeDocument/2006/math" xmlns:a14="http://schemas.microsoft.com/office/drawing/2010/main" xmlns:ma14="http://schemas.microsoft.com/office/mac/drawingml/2011/main" val="1"/>
+              <ma14:wrappingTextBoxFlag xmlns:ma14="http://schemas.microsoft.com/office/mac/drawingml/2011/main" xmlns:a14="http://schemas.microsoft.com/office/drawing/2010/main" xmlns:m="http://schemas.openxmlformats.org/officeDocument/2006/math" xmlns="" val="1"/>
             </a:ext>
           </a:extLst>
         </p:spPr>
@@ -19124,7 +19120,7 @@
           </a:ln>
           <a:extLst>
             <a:ext uri="{C572A759-6A51-4108-AA02-DFA0A04FC94B}">
-              <ma14:wrappingTextBoxFlag xmlns="" xmlns:m="http://schemas.openxmlformats.org/officeDocument/2006/math" xmlns:a14="http://schemas.microsoft.com/office/drawing/2010/main" xmlns:ma14="http://schemas.microsoft.com/office/mac/drawingml/2011/main" val="1"/>
+              <ma14:wrappingTextBoxFlag xmlns:ma14="http://schemas.microsoft.com/office/mac/drawingml/2011/main" xmlns:a14="http://schemas.microsoft.com/office/drawing/2010/main" xmlns:m="http://schemas.openxmlformats.org/officeDocument/2006/math" xmlns="" val="1"/>
             </a:ext>
           </a:extLst>
         </p:spPr>
@@ -19171,7 +19167,7 @@
           </a:ln>
           <a:extLst>
             <a:ext uri="{C572A759-6A51-4108-AA02-DFA0A04FC94B}">
-              <ma14:wrappingTextBoxFlag xmlns="" xmlns:m="http://schemas.openxmlformats.org/officeDocument/2006/math" xmlns:a14="http://schemas.microsoft.com/office/drawing/2010/main" xmlns:ma14="http://schemas.microsoft.com/office/mac/drawingml/2011/main" val="1"/>
+              <ma14:wrappingTextBoxFlag xmlns:ma14="http://schemas.microsoft.com/office/mac/drawingml/2011/main" xmlns:a14="http://schemas.microsoft.com/office/drawing/2010/main" xmlns:m="http://schemas.openxmlformats.org/officeDocument/2006/math" xmlns="" val="1"/>
             </a:ext>
           </a:extLst>
         </p:spPr>
@@ -19274,7 +19270,7 @@
           </a:ln>
           <a:extLst>
             <a:ext uri="{C572A759-6A51-4108-AA02-DFA0A04FC94B}">
-              <ma14:wrappingTextBoxFlag xmlns="" xmlns:m="http://schemas.openxmlformats.org/officeDocument/2006/math" xmlns:a14="http://schemas.microsoft.com/office/drawing/2010/main" xmlns:ma14="http://schemas.microsoft.com/office/mac/drawingml/2011/main" val="1"/>
+              <ma14:wrappingTextBoxFlag xmlns:ma14="http://schemas.microsoft.com/office/mac/drawingml/2011/main" xmlns:a14="http://schemas.microsoft.com/office/drawing/2010/main" xmlns:m="http://schemas.openxmlformats.org/officeDocument/2006/math" xmlns="" val="1"/>
             </a:ext>
           </a:extLst>
         </p:spPr>
@@ -19319,7 +19315,7 @@
           </a:ln>
           <a:extLst>
             <a:ext uri="{C572A759-6A51-4108-AA02-DFA0A04FC94B}">
-              <ma14:wrappingTextBoxFlag xmlns="" xmlns:m="http://schemas.openxmlformats.org/officeDocument/2006/math" xmlns:a14="http://schemas.microsoft.com/office/drawing/2010/main" xmlns:ma14="http://schemas.microsoft.com/office/mac/drawingml/2011/main" val="1"/>
+              <ma14:wrappingTextBoxFlag xmlns:ma14="http://schemas.microsoft.com/office/mac/drawingml/2011/main" xmlns:a14="http://schemas.microsoft.com/office/drawing/2010/main" xmlns:m="http://schemas.openxmlformats.org/officeDocument/2006/math" xmlns="" val="1"/>
             </a:ext>
           </a:extLst>
         </p:spPr>
@@ -19364,7 +19360,7 @@
           </a:ln>
           <a:extLst>
             <a:ext uri="{C572A759-6A51-4108-AA02-DFA0A04FC94B}">
-              <ma14:wrappingTextBoxFlag xmlns="" xmlns:m="http://schemas.openxmlformats.org/officeDocument/2006/math" xmlns:a14="http://schemas.microsoft.com/office/drawing/2010/main" xmlns:ma14="http://schemas.microsoft.com/office/mac/drawingml/2011/main" val="1"/>
+              <ma14:wrappingTextBoxFlag xmlns:ma14="http://schemas.microsoft.com/office/mac/drawingml/2011/main" xmlns:a14="http://schemas.microsoft.com/office/drawing/2010/main" xmlns:m="http://schemas.openxmlformats.org/officeDocument/2006/math" xmlns="" val="1"/>
             </a:ext>
           </a:extLst>
         </p:spPr>
@@ -19841,7 +19837,7 @@
           </a:prstGeom>
           <a:extLst>
             <a:ext uri="{C572A759-6A51-4108-AA02-DFA0A04FC94B}">
-              <ma14:wrappingTextBoxFlag xmlns="" xmlns:m="http://schemas.openxmlformats.org/officeDocument/2006/math" xmlns:a14="http://schemas.microsoft.com/office/drawing/2010/main" xmlns:ma14="http://schemas.microsoft.com/office/mac/drawingml/2011/main" val="1"/>
+              <ma14:wrappingTextBoxFlag xmlns:ma14="http://schemas.microsoft.com/office/mac/drawingml/2011/main" xmlns:a14="http://schemas.microsoft.com/office/drawing/2010/main" xmlns:m="http://schemas.openxmlformats.org/officeDocument/2006/math" xmlns="" val="1"/>
             </a:ext>
           </a:extLst>
         </p:spPr>
@@ -20241,7 +20237,7 @@
                 <a:effectLst/>
                 <a:extLst>
                   <a:ext uri="{C572A759-6A51-4108-AA02-DFA0A04FC94B}">
-                    <ma14:wrappingTextBoxFlag xmlns="" xmlns:m="http://schemas.openxmlformats.org/officeDocument/2006/math" xmlns:a14="http://schemas.microsoft.com/office/drawing/2010/main" xmlns:ma14="http://schemas.microsoft.com/office/mac/drawingml/2011/main" val="1"/>
+                    <ma14:wrappingTextBoxFlag xmlns:ma14="http://schemas.microsoft.com/office/mac/drawingml/2011/main" xmlns:a14="http://schemas.microsoft.com/office/drawing/2010/main" xmlns:m="http://schemas.openxmlformats.org/officeDocument/2006/math" xmlns="" val="1"/>
                   </a:ext>
                 </a:extLst>
               </p:spPr>
@@ -20357,7 +20353,7 @@
                 <a:effectLst/>
                 <a:extLst>
                   <a:ext uri="{C572A759-6A51-4108-AA02-DFA0A04FC94B}">
-                    <ma14:wrappingTextBoxFlag xmlns="" xmlns:m="http://schemas.openxmlformats.org/officeDocument/2006/math" xmlns:a14="http://schemas.microsoft.com/office/drawing/2010/main" xmlns:ma14="http://schemas.microsoft.com/office/mac/drawingml/2011/main" val="1"/>
+                    <ma14:wrappingTextBoxFlag xmlns:ma14="http://schemas.microsoft.com/office/mac/drawingml/2011/main" xmlns:a14="http://schemas.microsoft.com/office/drawing/2010/main" xmlns:m="http://schemas.openxmlformats.org/officeDocument/2006/math" xmlns="" val="1"/>
                   </a:ext>
                 </a:extLst>
               </p:spPr>
@@ -20473,7 +20469,7 @@
                 <a:effectLst/>
                 <a:extLst>
                   <a:ext uri="{C572A759-6A51-4108-AA02-DFA0A04FC94B}">
-                    <ma14:wrappingTextBoxFlag xmlns="" xmlns:m="http://schemas.openxmlformats.org/officeDocument/2006/math" xmlns:a14="http://schemas.microsoft.com/office/drawing/2010/main" xmlns:ma14="http://schemas.microsoft.com/office/mac/drawingml/2011/main" val="1"/>
+                    <ma14:wrappingTextBoxFlag xmlns:ma14="http://schemas.microsoft.com/office/mac/drawingml/2011/main" xmlns:a14="http://schemas.microsoft.com/office/drawing/2010/main" xmlns:m="http://schemas.openxmlformats.org/officeDocument/2006/math" xmlns="" val="1"/>
                   </a:ext>
                 </a:extLst>
               </p:spPr>
@@ -20589,7 +20585,7 @@
                 <a:effectLst/>
                 <a:extLst>
                   <a:ext uri="{C572A759-6A51-4108-AA02-DFA0A04FC94B}">
-                    <ma14:wrappingTextBoxFlag xmlns="" xmlns:m="http://schemas.openxmlformats.org/officeDocument/2006/math" xmlns:a14="http://schemas.microsoft.com/office/drawing/2010/main" xmlns:ma14="http://schemas.microsoft.com/office/mac/drawingml/2011/main" val="1"/>
+                    <ma14:wrappingTextBoxFlag xmlns:ma14="http://schemas.microsoft.com/office/mac/drawingml/2011/main" xmlns:a14="http://schemas.microsoft.com/office/drawing/2010/main" xmlns:m="http://schemas.openxmlformats.org/officeDocument/2006/math" xmlns="" val="1"/>
                   </a:ext>
                 </a:extLst>
               </p:spPr>
@@ -20705,7 +20701,7 @@
                 <a:effectLst/>
                 <a:extLst>
                   <a:ext uri="{C572A759-6A51-4108-AA02-DFA0A04FC94B}">
-                    <ma14:wrappingTextBoxFlag xmlns="" xmlns:m="http://schemas.openxmlformats.org/officeDocument/2006/math" xmlns:a14="http://schemas.microsoft.com/office/drawing/2010/main" xmlns:ma14="http://schemas.microsoft.com/office/mac/drawingml/2011/main" val="1"/>
+                    <ma14:wrappingTextBoxFlag xmlns:ma14="http://schemas.microsoft.com/office/mac/drawingml/2011/main" xmlns:a14="http://schemas.microsoft.com/office/drawing/2010/main" xmlns:m="http://schemas.openxmlformats.org/officeDocument/2006/math" xmlns="" val="1"/>
                   </a:ext>
                 </a:extLst>
               </p:spPr>
@@ -20821,7 +20817,7 @@
                 <a:effectLst/>
                 <a:extLst>
                   <a:ext uri="{C572A759-6A51-4108-AA02-DFA0A04FC94B}">
-                    <ma14:wrappingTextBoxFlag xmlns="" xmlns:m="http://schemas.openxmlformats.org/officeDocument/2006/math" xmlns:a14="http://schemas.microsoft.com/office/drawing/2010/main" xmlns:ma14="http://schemas.microsoft.com/office/mac/drawingml/2011/main" val="1"/>
+                    <ma14:wrappingTextBoxFlag xmlns:ma14="http://schemas.microsoft.com/office/mac/drawingml/2011/main" xmlns:a14="http://schemas.microsoft.com/office/drawing/2010/main" xmlns:m="http://schemas.openxmlformats.org/officeDocument/2006/math" xmlns="" val="1"/>
                   </a:ext>
                 </a:extLst>
               </p:spPr>
@@ -20937,7 +20933,7 @@
                 <a:effectLst/>
                 <a:extLst>
                   <a:ext uri="{C572A759-6A51-4108-AA02-DFA0A04FC94B}">
-                    <ma14:wrappingTextBoxFlag xmlns="" xmlns:m="http://schemas.openxmlformats.org/officeDocument/2006/math" xmlns:a14="http://schemas.microsoft.com/office/drawing/2010/main" xmlns:ma14="http://schemas.microsoft.com/office/mac/drawingml/2011/main" val="1"/>
+                    <ma14:wrappingTextBoxFlag xmlns:ma14="http://schemas.microsoft.com/office/mac/drawingml/2011/main" xmlns:a14="http://schemas.microsoft.com/office/drawing/2010/main" xmlns:m="http://schemas.openxmlformats.org/officeDocument/2006/math" xmlns="" val="1"/>
                   </a:ext>
                 </a:extLst>
               </p:spPr>
@@ -21053,7 +21049,7 @@
                 <a:effectLst/>
                 <a:extLst>
                   <a:ext uri="{C572A759-6A51-4108-AA02-DFA0A04FC94B}">
-                    <ma14:wrappingTextBoxFlag xmlns="" xmlns:m="http://schemas.openxmlformats.org/officeDocument/2006/math" xmlns:a14="http://schemas.microsoft.com/office/drawing/2010/main" xmlns:ma14="http://schemas.microsoft.com/office/mac/drawingml/2011/main" val="1"/>
+                    <ma14:wrappingTextBoxFlag xmlns:ma14="http://schemas.microsoft.com/office/mac/drawingml/2011/main" xmlns:a14="http://schemas.microsoft.com/office/drawing/2010/main" xmlns:m="http://schemas.openxmlformats.org/officeDocument/2006/math" xmlns="" val="1"/>
                   </a:ext>
                 </a:extLst>
               </p:spPr>
@@ -21169,7 +21165,7 @@
                 <a:effectLst/>
                 <a:extLst>
                   <a:ext uri="{C572A759-6A51-4108-AA02-DFA0A04FC94B}">
-                    <ma14:wrappingTextBoxFlag xmlns="" xmlns:m="http://schemas.openxmlformats.org/officeDocument/2006/math" xmlns:a14="http://schemas.microsoft.com/office/drawing/2010/main" xmlns:ma14="http://schemas.microsoft.com/office/mac/drawingml/2011/main" val="1"/>
+                    <ma14:wrappingTextBoxFlag xmlns:ma14="http://schemas.microsoft.com/office/mac/drawingml/2011/main" xmlns:a14="http://schemas.microsoft.com/office/drawing/2010/main" xmlns:m="http://schemas.openxmlformats.org/officeDocument/2006/math" xmlns="" val="1"/>
                   </a:ext>
                 </a:extLst>
               </p:spPr>
@@ -21285,7 +21281,7 @@
                 <a:effectLst/>
                 <a:extLst>
                   <a:ext uri="{C572A759-6A51-4108-AA02-DFA0A04FC94B}">
-                    <ma14:wrappingTextBoxFlag xmlns="" xmlns:m="http://schemas.openxmlformats.org/officeDocument/2006/math" xmlns:a14="http://schemas.microsoft.com/office/drawing/2010/main" xmlns:ma14="http://schemas.microsoft.com/office/mac/drawingml/2011/main" val="1"/>
+                    <ma14:wrappingTextBoxFlag xmlns:ma14="http://schemas.microsoft.com/office/mac/drawingml/2011/main" xmlns:a14="http://schemas.microsoft.com/office/drawing/2010/main" xmlns:m="http://schemas.openxmlformats.org/officeDocument/2006/math" xmlns="" val="1"/>
                   </a:ext>
                 </a:extLst>
               </p:spPr>
@@ -21401,7 +21397,7 @@
                 <a:effectLst/>
                 <a:extLst>
                   <a:ext uri="{C572A759-6A51-4108-AA02-DFA0A04FC94B}">
-                    <ma14:wrappingTextBoxFlag xmlns="" xmlns:m="http://schemas.openxmlformats.org/officeDocument/2006/math" xmlns:a14="http://schemas.microsoft.com/office/drawing/2010/main" xmlns:ma14="http://schemas.microsoft.com/office/mac/drawingml/2011/main" val="1"/>
+                    <ma14:wrappingTextBoxFlag xmlns:ma14="http://schemas.microsoft.com/office/mac/drawingml/2011/main" xmlns:a14="http://schemas.microsoft.com/office/drawing/2010/main" xmlns:m="http://schemas.openxmlformats.org/officeDocument/2006/math" xmlns="" val="1"/>
                   </a:ext>
                 </a:extLst>
               </p:spPr>
@@ -21517,7 +21513,7 @@
                 <a:effectLst/>
                 <a:extLst>
                   <a:ext uri="{C572A759-6A51-4108-AA02-DFA0A04FC94B}">
-                    <ma14:wrappingTextBoxFlag xmlns="" xmlns:m="http://schemas.openxmlformats.org/officeDocument/2006/math" xmlns:a14="http://schemas.microsoft.com/office/drawing/2010/main" xmlns:ma14="http://schemas.microsoft.com/office/mac/drawingml/2011/main" val="1"/>
+                    <ma14:wrappingTextBoxFlag xmlns:ma14="http://schemas.microsoft.com/office/mac/drawingml/2011/main" xmlns:a14="http://schemas.microsoft.com/office/drawing/2010/main" xmlns:m="http://schemas.openxmlformats.org/officeDocument/2006/math" xmlns="" val="1"/>
                   </a:ext>
                 </a:extLst>
               </p:spPr>
@@ -21633,7 +21629,7 @@
                 <a:effectLst/>
                 <a:extLst>
                   <a:ext uri="{C572A759-6A51-4108-AA02-DFA0A04FC94B}">
-                    <ma14:wrappingTextBoxFlag xmlns="" xmlns:m="http://schemas.openxmlformats.org/officeDocument/2006/math" xmlns:a14="http://schemas.microsoft.com/office/drawing/2010/main" xmlns:ma14="http://schemas.microsoft.com/office/mac/drawingml/2011/main" val="1"/>
+                    <ma14:wrappingTextBoxFlag xmlns:ma14="http://schemas.microsoft.com/office/mac/drawingml/2011/main" xmlns:a14="http://schemas.microsoft.com/office/drawing/2010/main" xmlns:m="http://schemas.openxmlformats.org/officeDocument/2006/math" xmlns="" val="1"/>
                   </a:ext>
                 </a:extLst>
               </p:spPr>
@@ -21749,7 +21745,7 @@
                 <a:effectLst/>
                 <a:extLst>
                   <a:ext uri="{C572A759-6A51-4108-AA02-DFA0A04FC94B}">
-                    <ma14:wrappingTextBoxFlag xmlns="" xmlns:m="http://schemas.openxmlformats.org/officeDocument/2006/math" xmlns:a14="http://schemas.microsoft.com/office/drawing/2010/main" xmlns:ma14="http://schemas.microsoft.com/office/mac/drawingml/2011/main" val="1"/>
+                    <ma14:wrappingTextBoxFlag xmlns:ma14="http://schemas.microsoft.com/office/mac/drawingml/2011/main" xmlns:a14="http://schemas.microsoft.com/office/drawing/2010/main" xmlns:m="http://schemas.openxmlformats.org/officeDocument/2006/math" xmlns="" val="1"/>
                   </a:ext>
                 </a:extLst>
               </p:spPr>
@@ -21865,7 +21861,7 @@
                 <a:effectLst/>
                 <a:extLst>
                   <a:ext uri="{C572A759-6A51-4108-AA02-DFA0A04FC94B}">
-                    <ma14:wrappingTextBoxFlag xmlns="" xmlns:m="http://schemas.openxmlformats.org/officeDocument/2006/math" xmlns:a14="http://schemas.microsoft.com/office/drawing/2010/main" xmlns:ma14="http://schemas.microsoft.com/office/mac/drawingml/2011/main" val="1"/>
+                    <ma14:wrappingTextBoxFlag xmlns:ma14="http://schemas.microsoft.com/office/mac/drawingml/2011/main" xmlns:a14="http://schemas.microsoft.com/office/drawing/2010/main" xmlns:m="http://schemas.openxmlformats.org/officeDocument/2006/math" xmlns="" val="1"/>
                   </a:ext>
                 </a:extLst>
               </p:spPr>
@@ -21981,7 +21977,7 @@
                 <a:effectLst/>
                 <a:extLst>
                   <a:ext uri="{C572A759-6A51-4108-AA02-DFA0A04FC94B}">
-                    <ma14:wrappingTextBoxFlag xmlns="" xmlns:m="http://schemas.openxmlformats.org/officeDocument/2006/math" xmlns:a14="http://schemas.microsoft.com/office/drawing/2010/main" xmlns:ma14="http://schemas.microsoft.com/office/mac/drawingml/2011/main" val="1"/>
+                    <ma14:wrappingTextBoxFlag xmlns:ma14="http://schemas.microsoft.com/office/mac/drawingml/2011/main" xmlns:a14="http://schemas.microsoft.com/office/drawing/2010/main" xmlns:m="http://schemas.openxmlformats.org/officeDocument/2006/math" xmlns="" val="1"/>
                   </a:ext>
                 </a:extLst>
               </p:spPr>
@@ -22097,7 +22093,7 @@
                 <a:effectLst/>
                 <a:extLst>
                   <a:ext uri="{C572A759-6A51-4108-AA02-DFA0A04FC94B}">
-                    <ma14:wrappingTextBoxFlag xmlns="" xmlns:m="http://schemas.openxmlformats.org/officeDocument/2006/math" xmlns:a14="http://schemas.microsoft.com/office/drawing/2010/main" xmlns:ma14="http://schemas.microsoft.com/office/mac/drawingml/2011/main" val="1"/>
+                    <ma14:wrappingTextBoxFlag xmlns:ma14="http://schemas.microsoft.com/office/mac/drawingml/2011/main" xmlns:a14="http://schemas.microsoft.com/office/drawing/2010/main" xmlns:m="http://schemas.openxmlformats.org/officeDocument/2006/math" xmlns="" val="1"/>
                   </a:ext>
                 </a:extLst>
               </p:spPr>
@@ -22213,7 +22209,7 @@
                 <a:effectLst/>
                 <a:extLst>
                   <a:ext uri="{C572A759-6A51-4108-AA02-DFA0A04FC94B}">
-                    <ma14:wrappingTextBoxFlag xmlns="" xmlns:m="http://schemas.openxmlformats.org/officeDocument/2006/math" xmlns:a14="http://schemas.microsoft.com/office/drawing/2010/main" xmlns:ma14="http://schemas.microsoft.com/office/mac/drawingml/2011/main" val="1"/>
+                    <ma14:wrappingTextBoxFlag xmlns:ma14="http://schemas.microsoft.com/office/mac/drawingml/2011/main" xmlns:a14="http://schemas.microsoft.com/office/drawing/2010/main" xmlns:m="http://schemas.openxmlformats.org/officeDocument/2006/math" xmlns="" val="1"/>
                   </a:ext>
                 </a:extLst>
               </p:spPr>
@@ -22329,7 +22325,7 @@
                 <a:effectLst/>
                 <a:extLst>
                   <a:ext uri="{C572A759-6A51-4108-AA02-DFA0A04FC94B}">
-                    <ma14:wrappingTextBoxFlag xmlns="" xmlns:m="http://schemas.openxmlformats.org/officeDocument/2006/math" xmlns:a14="http://schemas.microsoft.com/office/drawing/2010/main" xmlns:ma14="http://schemas.microsoft.com/office/mac/drawingml/2011/main" val="1"/>
+                    <ma14:wrappingTextBoxFlag xmlns:ma14="http://schemas.microsoft.com/office/mac/drawingml/2011/main" xmlns:a14="http://schemas.microsoft.com/office/drawing/2010/main" xmlns:m="http://schemas.openxmlformats.org/officeDocument/2006/math" xmlns="" val="1"/>
                   </a:ext>
                 </a:extLst>
               </p:spPr>
@@ -22445,7 +22441,7 @@
                 <a:effectLst/>
                 <a:extLst>
                   <a:ext uri="{C572A759-6A51-4108-AA02-DFA0A04FC94B}">
-                    <ma14:wrappingTextBoxFlag xmlns="" xmlns:m="http://schemas.openxmlformats.org/officeDocument/2006/math" xmlns:a14="http://schemas.microsoft.com/office/drawing/2010/main" xmlns:ma14="http://schemas.microsoft.com/office/mac/drawingml/2011/main" val="1"/>
+                    <ma14:wrappingTextBoxFlag xmlns:ma14="http://schemas.microsoft.com/office/mac/drawingml/2011/main" xmlns:a14="http://schemas.microsoft.com/office/drawing/2010/main" xmlns:m="http://schemas.openxmlformats.org/officeDocument/2006/math" xmlns="" val="1"/>
                   </a:ext>
                 </a:extLst>
               </p:spPr>
@@ -22561,7 +22557,7 @@
                 <a:effectLst/>
                 <a:extLst>
                   <a:ext uri="{C572A759-6A51-4108-AA02-DFA0A04FC94B}">
-                    <ma14:wrappingTextBoxFlag xmlns="" xmlns:m="http://schemas.openxmlformats.org/officeDocument/2006/math" xmlns:a14="http://schemas.microsoft.com/office/drawing/2010/main" xmlns:ma14="http://schemas.microsoft.com/office/mac/drawingml/2011/main" val="1"/>
+                    <ma14:wrappingTextBoxFlag xmlns:ma14="http://schemas.microsoft.com/office/mac/drawingml/2011/main" xmlns:a14="http://schemas.microsoft.com/office/drawing/2010/main" xmlns:m="http://schemas.openxmlformats.org/officeDocument/2006/math" xmlns="" val="1"/>
                   </a:ext>
                 </a:extLst>
               </p:spPr>
@@ -22677,7 +22673,7 @@
                 <a:effectLst/>
                 <a:extLst>
                   <a:ext uri="{C572A759-6A51-4108-AA02-DFA0A04FC94B}">
-                    <ma14:wrappingTextBoxFlag xmlns="" xmlns:m="http://schemas.openxmlformats.org/officeDocument/2006/math" xmlns:a14="http://schemas.microsoft.com/office/drawing/2010/main" xmlns:ma14="http://schemas.microsoft.com/office/mac/drawingml/2011/main" val="1"/>
+                    <ma14:wrappingTextBoxFlag xmlns:ma14="http://schemas.microsoft.com/office/mac/drawingml/2011/main" xmlns:a14="http://schemas.microsoft.com/office/drawing/2010/main" xmlns:m="http://schemas.openxmlformats.org/officeDocument/2006/math" xmlns="" val="1"/>
                   </a:ext>
                 </a:extLst>
               </p:spPr>
@@ -22793,7 +22789,7 @@
                 <a:effectLst/>
                 <a:extLst>
                   <a:ext uri="{C572A759-6A51-4108-AA02-DFA0A04FC94B}">
-                    <ma14:wrappingTextBoxFlag xmlns="" xmlns:m="http://schemas.openxmlformats.org/officeDocument/2006/math" xmlns:a14="http://schemas.microsoft.com/office/drawing/2010/main" xmlns:ma14="http://schemas.microsoft.com/office/mac/drawingml/2011/main" val="1"/>
+                    <ma14:wrappingTextBoxFlag xmlns:ma14="http://schemas.microsoft.com/office/mac/drawingml/2011/main" xmlns:a14="http://schemas.microsoft.com/office/drawing/2010/main" xmlns:m="http://schemas.openxmlformats.org/officeDocument/2006/math" xmlns="" val="1"/>
                   </a:ext>
                 </a:extLst>
               </p:spPr>
@@ -22909,7 +22905,7 @@
                 <a:effectLst/>
                 <a:extLst>
                   <a:ext uri="{C572A759-6A51-4108-AA02-DFA0A04FC94B}">
-                    <ma14:wrappingTextBoxFlag xmlns="" xmlns:m="http://schemas.openxmlformats.org/officeDocument/2006/math" xmlns:a14="http://schemas.microsoft.com/office/drawing/2010/main" xmlns:ma14="http://schemas.microsoft.com/office/mac/drawingml/2011/main" val="1"/>
+                    <ma14:wrappingTextBoxFlag xmlns:ma14="http://schemas.microsoft.com/office/mac/drawingml/2011/main" xmlns:a14="http://schemas.microsoft.com/office/drawing/2010/main" xmlns:m="http://schemas.openxmlformats.org/officeDocument/2006/math" xmlns="" val="1"/>
                   </a:ext>
                 </a:extLst>
               </p:spPr>
@@ -23026,7 +23022,7 @@
               <a:effectLst/>
               <a:extLst>
                 <a:ext uri="{C572A759-6A51-4108-AA02-DFA0A04FC94B}">
-                  <ma14:wrappingTextBoxFlag xmlns="" xmlns:m="http://schemas.openxmlformats.org/officeDocument/2006/math" xmlns:a14="http://schemas.microsoft.com/office/drawing/2010/main" xmlns:ma14="http://schemas.microsoft.com/office/mac/drawingml/2011/main" val="1"/>
+                  <ma14:wrappingTextBoxFlag xmlns:ma14="http://schemas.microsoft.com/office/mac/drawingml/2011/main" xmlns:a14="http://schemas.microsoft.com/office/drawing/2010/main" xmlns:m="http://schemas.openxmlformats.org/officeDocument/2006/math" xmlns="" val="1"/>
                 </a:ext>
               </a:extLst>
             </p:spPr>
@@ -23142,7 +23138,7 @@
               <a:effectLst/>
               <a:extLst>
                 <a:ext uri="{C572A759-6A51-4108-AA02-DFA0A04FC94B}">
-                  <ma14:wrappingTextBoxFlag xmlns="" xmlns:m="http://schemas.openxmlformats.org/officeDocument/2006/math" xmlns:a14="http://schemas.microsoft.com/office/drawing/2010/main" xmlns:ma14="http://schemas.microsoft.com/office/mac/drawingml/2011/main" val="1"/>
+                  <ma14:wrappingTextBoxFlag xmlns:ma14="http://schemas.microsoft.com/office/mac/drawingml/2011/main" xmlns:a14="http://schemas.microsoft.com/office/drawing/2010/main" xmlns:m="http://schemas.openxmlformats.org/officeDocument/2006/math" xmlns="" val="1"/>
                 </a:ext>
               </a:extLst>
             </p:spPr>
@@ -23208,7 +23204,7 @@
               <a:effectLst/>
               <a:extLst>
                 <a:ext uri="{C572A759-6A51-4108-AA02-DFA0A04FC94B}">
-                  <ma14:wrappingTextBoxFlag xmlns="" xmlns:m="http://schemas.openxmlformats.org/officeDocument/2006/math" xmlns:a14="http://schemas.microsoft.com/office/drawing/2010/main" xmlns:ma14="http://schemas.microsoft.com/office/mac/drawingml/2011/main" val="1"/>
+                  <ma14:wrappingTextBoxFlag xmlns:ma14="http://schemas.microsoft.com/office/mac/drawingml/2011/main" xmlns:a14="http://schemas.microsoft.com/office/drawing/2010/main" xmlns:m="http://schemas.openxmlformats.org/officeDocument/2006/math" xmlns="" val="1"/>
                 </a:ext>
               </a:extLst>
             </p:spPr>
@@ -23347,7 +23343,7 @@
               <a:effectLst/>
               <a:extLst>
                 <a:ext uri="{C572A759-6A51-4108-AA02-DFA0A04FC94B}">
-                  <ma14:wrappingTextBoxFlag xmlns="" xmlns:m="http://schemas.openxmlformats.org/officeDocument/2006/math" xmlns:a14="http://schemas.microsoft.com/office/drawing/2010/main" xmlns:ma14="http://schemas.microsoft.com/office/mac/drawingml/2011/main" val="1"/>
+                  <ma14:wrappingTextBoxFlag xmlns:ma14="http://schemas.microsoft.com/office/mac/drawingml/2011/main" xmlns:a14="http://schemas.microsoft.com/office/drawing/2010/main" xmlns:m="http://schemas.openxmlformats.org/officeDocument/2006/math" xmlns="" val="1"/>
                 </a:ext>
               </a:extLst>
             </p:spPr>
@@ -23479,7 +23475,7 @@
               <a:effectLst/>
               <a:extLst>
                 <a:ext uri="{C572A759-6A51-4108-AA02-DFA0A04FC94B}">
-                  <ma14:wrappingTextBoxFlag xmlns="" xmlns:m="http://schemas.openxmlformats.org/officeDocument/2006/math" xmlns:a14="http://schemas.microsoft.com/office/drawing/2010/main" xmlns:ma14="http://schemas.microsoft.com/office/mac/drawingml/2011/main" val="1"/>
+                  <ma14:wrappingTextBoxFlag xmlns:ma14="http://schemas.microsoft.com/office/mac/drawingml/2011/main" xmlns:a14="http://schemas.microsoft.com/office/drawing/2010/main" xmlns:m="http://schemas.openxmlformats.org/officeDocument/2006/math" xmlns="" val="1"/>
                 </a:ext>
               </a:extLst>
             </p:spPr>
@@ -23599,7 +23595,7 @@
               <a:effectLst/>
               <a:extLst>
                 <a:ext uri="{C572A759-6A51-4108-AA02-DFA0A04FC94B}">
-                  <ma14:wrappingTextBoxFlag xmlns="" xmlns:m="http://schemas.openxmlformats.org/officeDocument/2006/math" xmlns:a14="http://schemas.microsoft.com/office/drawing/2010/main" xmlns:ma14="http://schemas.microsoft.com/office/mac/drawingml/2011/main" val="1"/>
+                  <ma14:wrappingTextBoxFlag xmlns:ma14="http://schemas.microsoft.com/office/mac/drawingml/2011/main" xmlns:a14="http://schemas.microsoft.com/office/drawing/2010/main" xmlns:m="http://schemas.openxmlformats.org/officeDocument/2006/math" xmlns="" val="1"/>
                 </a:ext>
               </a:extLst>
             </p:spPr>
@@ -23715,7 +23711,7 @@
               <a:effectLst/>
               <a:extLst>
                 <a:ext uri="{C572A759-6A51-4108-AA02-DFA0A04FC94B}">
-                  <ma14:wrappingTextBoxFlag xmlns="" xmlns:m="http://schemas.openxmlformats.org/officeDocument/2006/math" xmlns:a14="http://schemas.microsoft.com/office/drawing/2010/main" xmlns:ma14="http://schemas.microsoft.com/office/mac/drawingml/2011/main" val="1"/>
+                  <ma14:wrappingTextBoxFlag xmlns:ma14="http://schemas.microsoft.com/office/mac/drawingml/2011/main" xmlns:a14="http://schemas.microsoft.com/office/drawing/2010/main" xmlns:m="http://schemas.openxmlformats.org/officeDocument/2006/math" xmlns="" val="1"/>
                 </a:ext>
               </a:extLst>
             </p:spPr>
@@ -23831,7 +23827,7 @@
               <a:effectLst/>
               <a:extLst>
                 <a:ext uri="{C572A759-6A51-4108-AA02-DFA0A04FC94B}">
-                  <ma14:wrappingTextBoxFlag xmlns="" xmlns:m="http://schemas.openxmlformats.org/officeDocument/2006/math" xmlns:a14="http://schemas.microsoft.com/office/drawing/2010/main" xmlns:ma14="http://schemas.microsoft.com/office/mac/drawingml/2011/main" val="1"/>
+                  <ma14:wrappingTextBoxFlag xmlns:ma14="http://schemas.microsoft.com/office/mac/drawingml/2011/main" xmlns:a14="http://schemas.microsoft.com/office/drawing/2010/main" xmlns:m="http://schemas.openxmlformats.org/officeDocument/2006/math" xmlns="" val="1"/>
                 </a:ext>
               </a:extLst>
             </p:spPr>
@@ -23947,7 +23943,7 @@
               <a:effectLst/>
               <a:extLst>
                 <a:ext uri="{C572A759-6A51-4108-AA02-DFA0A04FC94B}">
-                  <ma14:wrappingTextBoxFlag xmlns="" xmlns:m="http://schemas.openxmlformats.org/officeDocument/2006/math" xmlns:a14="http://schemas.microsoft.com/office/drawing/2010/main" xmlns:ma14="http://schemas.microsoft.com/office/mac/drawingml/2011/main" val="1"/>
+                  <ma14:wrappingTextBoxFlag xmlns:ma14="http://schemas.microsoft.com/office/mac/drawingml/2011/main" xmlns:a14="http://schemas.microsoft.com/office/drawing/2010/main" xmlns:m="http://schemas.openxmlformats.org/officeDocument/2006/math" xmlns="" val="1"/>
                 </a:ext>
               </a:extLst>
             </p:spPr>
@@ -24063,7 +24059,7 @@
               <a:effectLst/>
               <a:extLst>
                 <a:ext uri="{C572A759-6A51-4108-AA02-DFA0A04FC94B}">
-                  <ma14:wrappingTextBoxFlag xmlns="" xmlns:m="http://schemas.openxmlformats.org/officeDocument/2006/math" xmlns:a14="http://schemas.microsoft.com/office/drawing/2010/main" xmlns:ma14="http://schemas.microsoft.com/office/mac/drawingml/2011/main" val="1"/>
+                  <ma14:wrappingTextBoxFlag xmlns:ma14="http://schemas.microsoft.com/office/mac/drawingml/2011/main" xmlns:a14="http://schemas.microsoft.com/office/drawing/2010/main" xmlns:m="http://schemas.openxmlformats.org/officeDocument/2006/math" xmlns="" val="1"/>
                 </a:ext>
               </a:extLst>
             </p:spPr>
@@ -24179,7 +24175,7 @@
               <a:effectLst/>
               <a:extLst>
                 <a:ext uri="{C572A759-6A51-4108-AA02-DFA0A04FC94B}">
-                  <ma14:wrappingTextBoxFlag xmlns="" xmlns:m="http://schemas.openxmlformats.org/officeDocument/2006/math" xmlns:a14="http://schemas.microsoft.com/office/drawing/2010/main" xmlns:ma14="http://schemas.microsoft.com/office/mac/drawingml/2011/main" val="1"/>
+                  <ma14:wrappingTextBoxFlag xmlns:ma14="http://schemas.microsoft.com/office/mac/drawingml/2011/main" xmlns:a14="http://schemas.microsoft.com/office/drawing/2010/main" xmlns:m="http://schemas.openxmlformats.org/officeDocument/2006/math" xmlns="" val="1"/>
                 </a:ext>
               </a:extLst>
             </p:spPr>
@@ -24228,7 +24224,7 @@
             </a:ln>
             <a:extLst>
               <a:ext uri="{C572A759-6A51-4108-AA02-DFA0A04FC94B}">
-                <ma14:wrappingTextBoxFlag xmlns="" xmlns:m="http://schemas.openxmlformats.org/officeDocument/2006/math" xmlns:a14="http://schemas.microsoft.com/office/drawing/2010/main" xmlns:ma14="http://schemas.microsoft.com/office/mac/drawingml/2011/main" val="1"/>
+                <ma14:wrappingTextBoxFlag xmlns:ma14="http://schemas.microsoft.com/office/mac/drawingml/2011/main" xmlns:a14="http://schemas.microsoft.com/office/drawing/2010/main" xmlns:m="http://schemas.openxmlformats.org/officeDocument/2006/math" xmlns="" val="1"/>
               </a:ext>
             </a:extLst>
           </p:spPr>
@@ -24280,7 +24276,7 @@
           </a:ln>
           <a:extLst>
             <a:ext uri="{C572A759-6A51-4108-AA02-DFA0A04FC94B}">
-              <ma14:wrappingTextBoxFlag xmlns="" xmlns:m="http://schemas.openxmlformats.org/officeDocument/2006/math" xmlns:a14="http://schemas.microsoft.com/office/drawing/2010/main" xmlns:ma14="http://schemas.microsoft.com/office/mac/drawingml/2011/main" val="1"/>
+              <ma14:wrappingTextBoxFlag xmlns:ma14="http://schemas.microsoft.com/office/mac/drawingml/2011/main" xmlns:a14="http://schemas.microsoft.com/office/drawing/2010/main" xmlns:m="http://schemas.openxmlformats.org/officeDocument/2006/math" xmlns="" val="1"/>
             </a:ext>
           </a:extLst>
         </p:spPr>
@@ -24498,7 +24494,7 @@
           </a:prstGeom>
           <a:extLst>
             <a:ext uri="{C572A759-6A51-4108-AA02-DFA0A04FC94B}">
-              <ma14:wrappingTextBoxFlag xmlns:ma14="http://schemas.microsoft.com/office/mac/drawingml/2011/main" xmlns:a14="http://schemas.microsoft.com/office/drawing/2010/main" xmlns:m="http://schemas.openxmlformats.org/officeDocument/2006/math" xmlns="" val="1"/>
+              <ma14:wrappingTextBoxFlag xmlns="" xmlns:m="http://schemas.openxmlformats.org/officeDocument/2006/math" xmlns:a14="http://schemas.microsoft.com/office/drawing/2010/main" xmlns:ma14="http://schemas.microsoft.com/office/mac/drawingml/2011/main" val="1"/>
             </a:ext>
           </a:extLst>
         </p:spPr>
@@ -24537,7 +24533,7 @@
           </a:prstGeom>
           <a:extLst>
             <a:ext uri="{C572A759-6A51-4108-AA02-DFA0A04FC94B}">
-              <ma14:wrappingTextBoxFlag xmlns:ma14="http://schemas.microsoft.com/office/mac/drawingml/2011/main" xmlns:a14="http://schemas.microsoft.com/office/drawing/2010/main" xmlns:m="http://schemas.openxmlformats.org/officeDocument/2006/math" xmlns="" val="1"/>
+              <ma14:wrappingTextBoxFlag xmlns="" xmlns:m="http://schemas.openxmlformats.org/officeDocument/2006/math" xmlns:a14="http://schemas.microsoft.com/office/drawing/2010/main" xmlns:ma14="http://schemas.microsoft.com/office/mac/drawingml/2011/main" val="1"/>
             </a:ext>
           </a:extLst>
         </p:spPr>
@@ -24645,7 +24641,7 @@
             <a:effectLst/>
             <a:extLst>
               <a:ext uri="{C572A759-6A51-4108-AA02-DFA0A04FC94B}">
-                <ma14:wrappingTextBoxFlag xmlns:ma14="http://schemas.microsoft.com/office/mac/drawingml/2011/main" xmlns:a14="http://schemas.microsoft.com/office/drawing/2010/main" xmlns:m="http://schemas.openxmlformats.org/officeDocument/2006/math" xmlns="" val="1"/>
+                <ma14:wrappingTextBoxFlag xmlns="" xmlns:m="http://schemas.openxmlformats.org/officeDocument/2006/math" xmlns:a14="http://schemas.microsoft.com/office/drawing/2010/main" xmlns:ma14="http://schemas.microsoft.com/office/mac/drawingml/2011/main" val="1"/>
               </a:ext>
             </a:extLst>
           </p:spPr>
@@ -24708,7 +24704,7 @@
             <a:effectLst/>
             <a:extLst>
               <a:ext uri="{C572A759-6A51-4108-AA02-DFA0A04FC94B}">
-                <ma14:wrappingTextBoxFlag xmlns:ma14="http://schemas.microsoft.com/office/mac/drawingml/2011/main" xmlns:a14="http://schemas.microsoft.com/office/drawing/2010/main" xmlns:m="http://schemas.openxmlformats.org/officeDocument/2006/math" xmlns="" val="1"/>
+                <ma14:wrappingTextBoxFlag xmlns="" xmlns:m="http://schemas.openxmlformats.org/officeDocument/2006/math" xmlns:a14="http://schemas.microsoft.com/office/drawing/2010/main" xmlns:ma14="http://schemas.microsoft.com/office/mac/drawingml/2011/main" val="1"/>
               </a:ext>
             </a:extLst>
           </p:spPr>
@@ -24819,7 +24815,7 @@
             <a:effectLst/>
             <a:extLst>
               <a:ext uri="{C572A759-6A51-4108-AA02-DFA0A04FC94B}">
-                <ma14:wrappingTextBoxFlag xmlns:ma14="http://schemas.microsoft.com/office/mac/drawingml/2011/main" xmlns:a14="http://schemas.microsoft.com/office/drawing/2010/main" xmlns:m="http://schemas.openxmlformats.org/officeDocument/2006/math" xmlns="" val="1"/>
+                <ma14:wrappingTextBoxFlag xmlns="" xmlns:m="http://schemas.openxmlformats.org/officeDocument/2006/math" xmlns:a14="http://schemas.microsoft.com/office/drawing/2010/main" xmlns:ma14="http://schemas.microsoft.com/office/mac/drawingml/2011/main" val="1"/>
               </a:ext>
             </a:extLst>
           </p:spPr>
@@ -26461,7 +26457,7 @@
           </a:prstGeom>
           <a:extLst>
             <a:ext uri="{C572A759-6A51-4108-AA02-DFA0A04FC94B}">
-              <ma14:wrappingTextBoxFlag xmlns:ma14="http://schemas.microsoft.com/office/mac/drawingml/2011/main" xmlns:a14="http://schemas.microsoft.com/office/drawing/2010/main" xmlns:m="http://schemas.openxmlformats.org/officeDocument/2006/math" xmlns="" val="1"/>
+              <ma14:wrappingTextBoxFlag xmlns="" xmlns:m="http://schemas.openxmlformats.org/officeDocument/2006/math" xmlns:a14="http://schemas.microsoft.com/office/drawing/2010/main" xmlns:ma14="http://schemas.microsoft.com/office/mac/drawingml/2011/main" val="1"/>
             </a:ext>
           </a:extLst>
         </p:spPr>
